--- a/chapter-04/03-reqlimits/04_03_reqlimits.pptx
+++ b/chapter-04/03-reqlimits/04_03_reqlimits.pptx
@@ -259,7 +259,7 @@
           <a:p>
             <a:fld id="{7C2A2C10-8C9F-9B42-9862-A5B84F1CAB8B}" type="datetimeFigureOut">
               <a:rPr lang="en-US" smtClean="0"/>
-              <a:t>4/14/2023</a:t>
+              <a:t>4/15/2023</a:t>
             </a:fld>
             <a:endParaRPr lang="en-US"/>
           </a:p>
@@ -15205,7 +15205,7 @@
           <a:p>
             <a:r>
               <a:rPr lang="en-US" dirty="0"/>
-              <a:t>Resource limiting</a:t>
+              <a:t>Resource requests, limits, and quotas</a:t>
             </a:r>
           </a:p>
         </p:txBody>
@@ -15349,7 +15349,7 @@
           <a:p>
             <a:r>
               <a:rPr lang="en-US" dirty="0"/>
-              <a:t>Resource limiting key fields</a:t>
+              <a:t>Resource boundaries</a:t>
             </a:r>
           </a:p>
         </p:txBody>
@@ -15385,6 +15385,13 @@
             <a:r>
               <a:rPr lang="en-US" dirty="0" err="1"/>
               <a:t>pod.spec.containers.resources.limits</a:t>
+            </a:r>
+            <a:endParaRPr lang="en-US" dirty="0"/>
+          </a:p>
+          <a:p>
+            <a:r>
+              <a:rPr lang="en-US" dirty="0" err="1"/>
+              <a:t>ResourceQuota</a:t>
             </a:r>
             <a:endParaRPr lang="en-US" dirty="0"/>
           </a:p>
@@ -15516,6 +15523,67 @@
                                           <p:spTgt spid="5">
                                             <p:txEl>
                                               <p:pRg st="1" end="1"/>
+                                            </p:txEl>
+                                          </p:spTgt>
+                                        </p:tgtEl>
+                                      </p:cBhvr>
+                                    </p:animEffect>
+                                  </p:childTnLst>
+                                </p:cTn>
+                              </p:par>
+                            </p:childTnLst>
+                          </p:cTn>
+                        </p:par>
+                      </p:childTnLst>
+                    </p:cTn>
+                  </p:par>
+                  <p:par>
+                    <p:cTn id="13" fill="hold">
+                      <p:stCondLst>
+                        <p:cond delay="indefinite"/>
+                      </p:stCondLst>
+                      <p:childTnLst>
+                        <p:par>
+                          <p:cTn id="14" fill="hold">
+                            <p:stCondLst>
+                              <p:cond delay="0"/>
+                            </p:stCondLst>
+                            <p:childTnLst>
+                              <p:par>
+                                <p:cTn id="15" presetID="10" presetClass="entr" presetSubtype="0" fill="hold" grpId="0" nodeType="clickEffect">
+                                  <p:stCondLst>
+                                    <p:cond delay="0"/>
+                                  </p:stCondLst>
+                                  <p:childTnLst>
+                                    <p:set>
+                                      <p:cBhvr>
+                                        <p:cTn id="16" dur="1" fill="hold">
+                                          <p:stCondLst>
+                                            <p:cond delay="0"/>
+                                          </p:stCondLst>
+                                        </p:cTn>
+                                        <p:tgtEl>
+                                          <p:spTgt spid="5">
+                                            <p:txEl>
+                                              <p:pRg st="2" end="2"/>
+                                            </p:txEl>
+                                          </p:spTgt>
+                                        </p:tgtEl>
+                                        <p:attrNameLst>
+                                          <p:attrName>style.visibility</p:attrName>
+                                        </p:attrNameLst>
+                                      </p:cBhvr>
+                                      <p:to>
+                                        <p:strVal val="visible"/>
+                                      </p:to>
+                                    </p:set>
+                                    <p:animEffect transition="in" filter="fade">
+                                      <p:cBhvr>
+                                        <p:cTn id="17" dur="500"/>
+                                        <p:tgtEl>
+                                          <p:spTgt spid="5">
+                                            <p:txEl>
+                                              <p:pRg st="2" end="2"/>
                                             </p:txEl>
                                           </p:spTgt>
                                         </p:tgtEl>

--- a/chapter-04/03-reqlimits/04_03_reqlimits.pptx
+++ b/chapter-04/03-reqlimits/04_03_reqlimits.pptx
@@ -259,7 +259,7 @@
           <a:p>
             <a:fld id="{7C2A2C10-8C9F-9B42-9862-A5B84F1CAB8B}" type="datetimeFigureOut">
               <a:rPr lang="en-US" smtClean="0"/>
-              <a:t>4/15/2023</a:t>
+              <a:t>4/16/2023</a:t>
             </a:fld>
             <a:endParaRPr lang="en-US"/>
           </a:p>
@@ -15702,8 +15702,13 @@
             </a:r>
             <a:r>
               <a:rPr lang="en-US" dirty="0"/>
-              <a:t>’ based on the ‘nginx’ container image</a:t>
-            </a:r>
+              <a:t>’ based on the ‘nginx’ container image in the ‘chapter-04</a:t>
+            </a:r>
+            <a:r>
+              <a:rPr lang="en-US"/>
+              <a:t>’ namespace</a:t>
+            </a:r>
+            <a:endParaRPr lang="en-US" dirty="0"/>
           </a:p>
           <a:p>
             <a:r>
